--- a/pptx_images.pptx
+++ b/pptx_images.pptx
@@ -3528,6 +3528,42 @@
           <a:xfrm>
             <a:off x="151050" y="70953"/>
             <a:ext cx="2334773" cy="588265"/>
+          </a:xfrm>
+          <a:prstGeom prst="rect">
+            <a:avLst/>
+          </a:prstGeom>
+        </p:spPr>
+      </p:pic>
+      <p:pic>
+        <p:nvPicPr>
+          <p:cNvPr id="9" name="Grafik 8">
+            <a:extLst>
+              <a:ext uri="{FF2B5EF4-FFF2-40B4-BE49-F238E27FC236}">
+                <a16:creationId xmlns:a16="http://schemas.microsoft.com/office/drawing/2014/main" id="{6B6EEC3B-924B-4254-B773-B6FFD2C46110}"/>
+              </a:ext>
+            </a:extLst>
+          </p:cNvPr>
+          <p:cNvPicPr>
+            <a:picLocks noChangeAspect="1"/>
+          </p:cNvPicPr>
+          <p:nvPr/>
+        </p:nvPicPr>
+        <p:blipFill>
+          <a:blip r:embed="rId4">
+            <a:extLst>
+              <a:ext uri="{28A0092B-C50C-407E-A947-70E740481C1C}">
+                <a14:useLocalDpi xmlns:a14="http://schemas.microsoft.com/office/drawing/2010/main" val="0"/>
+              </a:ext>
+            </a:extLst>
+          </a:blip>
+          <a:stretch>
+            <a:fillRect/>
+          </a:stretch>
+        </p:blipFill>
+        <p:spPr>
+          <a:xfrm>
+            <a:off x="2485822" y="2097551"/>
+            <a:ext cx="6658177" cy="3994906"/>
           </a:xfrm>
           <a:prstGeom prst="rect">
             <a:avLst/>

--- a/pptx_images.pptx
+++ b/pptx_images.pptx
@@ -3562,8 +3562,8 @@
         </p:blipFill>
         <p:spPr>
           <a:xfrm>
-            <a:off x="2485822" y="2097551"/>
-            <a:ext cx="6658177" cy="3994906"/>
+            <a:off x="2928847" y="2097551"/>
+            <a:ext cx="6215152" cy="3729091"/>
           </a:xfrm>
           <a:prstGeom prst="rect">
             <a:avLst/>

--- a/pptx_images.pptx
+++ b/pptx_images.pptx
@@ -3457,7 +3457,7 @@
         <p:spPr>
           <a:xfrm>
             <a:off x="688920" y="510362"/>
-            <a:ext cx="3593805" cy="738664"/>
+            <a:ext cx="3593805" cy="523220"/>
           </a:xfrm>
           <a:prstGeom prst="rect">
             <a:avLst/>
@@ -3484,17 +3484,6 @@
               </a:rPr>
               <a:t>Soziologie und empirische Sozialforschung </a:t>
             </a:r>
-          </a:p>
-          <a:p>
-            <a:r>
-              <a:rPr lang="de-DE" sz="1400" dirty="0">
-                <a:latin typeface="Abadi" panose="020B0604020202020204" pitchFamily="34" charset="0"/>
-              </a:rPr>
-              <a:t>Statistische Modellbildung II</a:t>
-            </a:r>
-            <a:endParaRPr lang="en-US" sz="1400" dirty="0">
-              <a:latin typeface="Abadi" panose="020B0604020202020204" pitchFamily="34" charset="0"/>
-            </a:endParaRPr>
           </a:p>
         </p:txBody>
       </p:sp>
@@ -3562,8 +3551,8 @@
         </p:blipFill>
         <p:spPr>
           <a:xfrm>
-            <a:off x="2928847" y="2097551"/>
-            <a:ext cx="6215152" cy="3729091"/>
+            <a:off x="221077" y="2235774"/>
+            <a:ext cx="5967059" cy="3580235"/>
           </a:xfrm>
           <a:prstGeom prst="rect">
             <a:avLst/>

--- a/pptx_images.pptx
+++ b/pptx_images.pptx
@@ -3552,7 +3552,7 @@
         <p:spPr>
           <a:xfrm>
             <a:off x="221077" y="2235774"/>
-            <a:ext cx="5967059" cy="3580235"/>
+            <a:ext cx="5967058" cy="3580235"/>
           </a:xfrm>
           <a:prstGeom prst="rect">
             <a:avLst/>
